--- a/ppt 16-9/1258.我要传讲耶稣.pptx
+++ b/ppt 16-9/1258.我要传讲耶稣.pptx
@@ -129,7 +129,7 @@
           <p:cNvPr id="2" name="标题 1">
             <a:extLst>
               <a:ext uri="{FF2B5EF4-FFF2-40B4-BE49-F238E27FC236}">
-                <a16:creationId xmlns:a16="http://schemas.microsoft.com/office/drawing/2014/main" id="{BC789605-C464-D19E-13EF-D3418CDCD737}"/>
+                <a16:creationId xmlns:a16="http://schemas.microsoft.com/office/drawing/2014/main" id="{30B22D7C-53AC-8F0A-09A2-225A5F5C1AC0}"/>
               </a:ext>
             </a:extLst>
           </p:cNvPr>
@@ -166,7 +166,7 @@
           <p:cNvPr id="3" name="副标题 2">
             <a:extLst>
               <a:ext uri="{FF2B5EF4-FFF2-40B4-BE49-F238E27FC236}">
-                <a16:creationId xmlns:a16="http://schemas.microsoft.com/office/drawing/2014/main" id="{0E5BB7F1-131D-351F-F68D-59ACD169B96C}"/>
+                <a16:creationId xmlns:a16="http://schemas.microsoft.com/office/drawing/2014/main" id="{D91AFD0A-DF02-0C41-4E2C-AB6A2F8BFAE2}"/>
               </a:ext>
             </a:extLst>
           </p:cNvPr>
@@ -236,7 +236,7 @@
           <p:cNvPr id="4" name="日期占位符 3">
             <a:extLst>
               <a:ext uri="{FF2B5EF4-FFF2-40B4-BE49-F238E27FC236}">
-                <a16:creationId xmlns:a16="http://schemas.microsoft.com/office/drawing/2014/main" id="{B7695916-030E-E6DA-2C8D-4730C0A4A0B3}"/>
+                <a16:creationId xmlns:a16="http://schemas.microsoft.com/office/drawing/2014/main" id="{B44D81FF-A1C4-1CBD-AE15-05827C6C907F}"/>
               </a:ext>
             </a:extLst>
           </p:cNvPr>
@@ -252,7 +252,7 @@
           <a:bodyPr/>
           <a:lstStyle/>
           <a:p>
-            <a:fld id="{86C049F9-2341-4B21-8B1F-ADD81EE05F13}" type="datetimeFigureOut">
+            <a:fld id="{A15CC372-E86E-490C-9DFC-183D2B8A25BC}" type="datetimeFigureOut">
               <a:rPr lang="zh-CN" altLang="en-US" smtClean="0"/>
               <a:t>2024/3/10</a:t>
             </a:fld>
@@ -265,7 +265,7 @@
           <p:cNvPr id="5" name="页脚占位符 4">
             <a:extLst>
               <a:ext uri="{FF2B5EF4-FFF2-40B4-BE49-F238E27FC236}">
-                <a16:creationId xmlns:a16="http://schemas.microsoft.com/office/drawing/2014/main" id="{3ED25BD7-9EDE-5772-B3A0-06A1A19000DA}"/>
+                <a16:creationId xmlns:a16="http://schemas.microsoft.com/office/drawing/2014/main" id="{E61AB455-0D0A-3929-1EF9-E4F1CA6EEC66}"/>
               </a:ext>
             </a:extLst>
           </p:cNvPr>
@@ -290,7 +290,7 @@
           <p:cNvPr id="6" name="灯片编号占位符 5">
             <a:extLst>
               <a:ext uri="{FF2B5EF4-FFF2-40B4-BE49-F238E27FC236}">
-                <a16:creationId xmlns:a16="http://schemas.microsoft.com/office/drawing/2014/main" id="{9B26FFDD-398E-9089-4E30-DB26113A83CE}"/>
+                <a16:creationId xmlns:a16="http://schemas.microsoft.com/office/drawing/2014/main" id="{3413632C-1BCA-4E0A-F60D-65F03540D138}"/>
               </a:ext>
             </a:extLst>
           </p:cNvPr>
@@ -306,7 +306,7 @@
           <a:bodyPr/>
           <a:lstStyle/>
           <a:p>
-            <a:fld id="{13CDE9E2-2A74-448C-A7EB-AF797A0D8A9A}" type="slidenum">
+            <a:fld id="{9F7F8392-1191-4128-B54C-7AE9FF728463}" type="slidenum">
               <a:rPr lang="zh-CN" altLang="en-US" smtClean="0"/>
               <a:t>‹#›</a:t>
             </a:fld>
@@ -317,7 +317,7 @@
     </p:spTree>
     <p:extLst>
       <p:ext uri="{BB962C8B-B14F-4D97-AF65-F5344CB8AC3E}">
-        <p14:creationId xmlns:p14="http://schemas.microsoft.com/office/powerpoint/2010/main" val="3043337512"/>
+        <p14:creationId xmlns:p14="http://schemas.microsoft.com/office/powerpoint/2010/main" val="166594671"/>
       </p:ext>
     </p:extLst>
   </p:cSld>
@@ -349,7 +349,7 @@
           <p:cNvPr id="2" name="标题 1">
             <a:extLst>
               <a:ext uri="{FF2B5EF4-FFF2-40B4-BE49-F238E27FC236}">
-                <a16:creationId xmlns:a16="http://schemas.microsoft.com/office/drawing/2014/main" id="{AB2BFA7E-3B76-AC9A-F7A5-AF811082480E}"/>
+                <a16:creationId xmlns:a16="http://schemas.microsoft.com/office/drawing/2014/main" id="{1601F683-BEE0-7D97-890D-863DF7E10254}"/>
               </a:ext>
             </a:extLst>
           </p:cNvPr>
@@ -377,7 +377,7 @@
           <p:cNvPr id="3" name="竖排文字占位符 2">
             <a:extLst>
               <a:ext uri="{FF2B5EF4-FFF2-40B4-BE49-F238E27FC236}">
-                <a16:creationId xmlns:a16="http://schemas.microsoft.com/office/drawing/2014/main" id="{4AAAA245-5332-53BA-282D-79B382039949}"/>
+                <a16:creationId xmlns:a16="http://schemas.microsoft.com/office/drawing/2014/main" id="{45EA86FB-70F4-15D2-4396-3F2EE8C25845}"/>
               </a:ext>
             </a:extLst>
           </p:cNvPr>
@@ -434,7 +434,7 @@
           <p:cNvPr id="4" name="日期占位符 3">
             <a:extLst>
               <a:ext uri="{FF2B5EF4-FFF2-40B4-BE49-F238E27FC236}">
-                <a16:creationId xmlns:a16="http://schemas.microsoft.com/office/drawing/2014/main" id="{9AAD7EC9-CD24-9C69-C390-F98ABF351F51}"/>
+                <a16:creationId xmlns:a16="http://schemas.microsoft.com/office/drawing/2014/main" id="{B2C7F486-A9E4-7F03-2D58-7BF57CC7D22B}"/>
               </a:ext>
             </a:extLst>
           </p:cNvPr>
@@ -450,7 +450,7 @@
           <a:bodyPr/>
           <a:lstStyle/>
           <a:p>
-            <a:fld id="{86C049F9-2341-4B21-8B1F-ADD81EE05F13}" type="datetimeFigureOut">
+            <a:fld id="{A15CC372-E86E-490C-9DFC-183D2B8A25BC}" type="datetimeFigureOut">
               <a:rPr lang="zh-CN" altLang="en-US" smtClean="0"/>
               <a:t>2024/3/10</a:t>
             </a:fld>
@@ -463,7 +463,7 @@
           <p:cNvPr id="5" name="页脚占位符 4">
             <a:extLst>
               <a:ext uri="{FF2B5EF4-FFF2-40B4-BE49-F238E27FC236}">
-                <a16:creationId xmlns:a16="http://schemas.microsoft.com/office/drawing/2014/main" id="{CEAB6C4D-5451-717C-EE40-F4119E00247D}"/>
+                <a16:creationId xmlns:a16="http://schemas.microsoft.com/office/drawing/2014/main" id="{4125B6BD-DED2-8A83-4B49-94A58B9668DC}"/>
               </a:ext>
             </a:extLst>
           </p:cNvPr>
@@ -488,7 +488,7 @@
           <p:cNvPr id="6" name="灯片编号占位符 5">
             <a:extLst>
               <a:ext uri="{FF2B5EF4-FFF2-40B4-BE49-F238E27FC236}">
-                <a16:creationId xmlns:a16="http://schemas.microsoft.com/office/drawing/2014/main" id="{E7CBB507-CAF3-6423-1EBE-97A5562E1AAF}"/>
+                <a16:creationId xmlns:a16="http://schemas.microsoft.com/office/drawing/2014/main" id="{CD14D5B2-3ED8-13DE-ECAC-04DC6C7A50BB}"/>
               </a:ext>
             </a:extLst>
           </p:cNvPr>
@@ -504,7 +504,7 @@
           <a:bodyPr/>
           <a:lstStyle/>
           <a:p>
-            <a:fld id="{13CDE9E2-2A74-448C-A7EB-AF797A0D8A9A}" type="slidenum">
+            <a:fld id="{9F7F8392-1191-4128-B54C-7AE9FF728463}" type="slidenum">
               <a:rPr lang="zh-CN" altLang="en-US" smtClean="0"/>
               <a:t>‹#›</a:t>
             </a:fld>
@@ -515,7 +515,7 @@
     </p:spTree>
     <p:extLst>
       <p:ext uri="{BB962C8B-B14F-4D97-AF65-F5344CB8AC3E}">
-        <p14:creationId xmlns:p14="http://schemas.microsoft.com/office/powerpoint/2010/main" val="2506590221"/>
+        <p14:creationId xmlns:p14="http://schemas.microsoft.com/office/powerpoint/2010/main" val="1402567388"/>
       </p:ext>
     </p:extLst>
   </p:cSld>
@@ -547,7 +547,7 @@
           <p:cNvPr id="2" name="竖排标题 1">
             <a:extLst>
               <a:ext uri="{FF2B5EF4-FFF2-40B4-BE49-F238E27FC236}">
-                <a16:creationId xmlns:a16="http://schemas.microsoft.com/office/drawing/2014/main" id="{55C771B3-C84E-930C-0DAD-1E73A4A14BBD}"/>
+                <a16:creationId xmlns:a16="http://schemas.microsoft.com/office/drawing/2014/main" id="{79F49ADF-8C3E-8A89-232E-0FFA7F6AF78B}"/>
               </a:ext>
             </a:extLst>
           </p:cNvPr>
@@ -580,7 +580,7 @@
           <p:cNvPr id="3" name="竖排文字占位符 2">
             <a:extLst>
               <a:ext uri="{FF2B5EF4-FFF2-40B4-BE49-F238E27FC236}">
-                <a16:creationId xmlns:a16="http://schemas.microsoft.com/office/drawing/2014/main" id="{51B6AD28-2936-517E-E996-F1E2DD2D5FC3}"/>
+                <a16:creationId xmlns:a16="http://schemas.microsoft.com/office/drawing/2014/main" id="{13E66628-E0B8-A8EE-2F7C-EE69CC84E620}"/>
               </a:ext>
             </a:extLst>
           </p:cNvPr>
@@ -642,7 +642,7 @@
           <p:cNvPr id="4" name="日期占位符 3">
             <a:extLst>
               <a:ext uri="{FF2B5EF4-FFF2-40B4-BE49-F238E27FC236}">
-                <a16:creationId xmlns:a16="http://schemas.microsoft.com/office/drawing/2014/main" id="{777C71F6-2FE4-AE4B-CDA4-F9E246BFBAE0}"/>
+                <a16:creationId xmlns:a16="http://schemas.microsoft.com/office/drawing/2014/main" id="{BA15469A-0F1F-234C-8ADC-D1E4B49788DC}"/>
               </a:ext>
             </a:extLst>
           </p:cNvPr>
@@ -658,7 +658,7 @@
           <a:bodyPr/>
           <a:lstStyle/>
           <a:p>
-            <a:fld id="{86C049F9-2341-4B21-8B1F-ADD81EE05F13}" type="datetimeFigureOut">
+            <a:fld id="{A15CC372-E86E-490C-9DFC-183D2B8A25BC}" type="datetimeFigureOut">
               <a:rPr lang="zh-CN" altLang="en-US" smtClean="0"/>
               <a:t>2024/3/10</a:t>
             </a:fld>
@@ -671,7 +671,7 @@
           <p:cNvPr id="5" name="页脚占位符 4">
             <a:extLst>
               <a:ext uri="{FF2B5EF4-FFF2-40B4-BE49-F238E27FC236}">
-                <a16:creationId xmlns:a16="http://schemas.microsoft.com/office/drawing/2014/main" id="{E6F32678-785B-2876-44FC-201A8E08DA9C}"/>
+                <a16:creationId xmlns:a16="http://schemas.microsoft.com/office/drawing/2014/main" id="{BAD3526A-6BE8-5C2D-B2B0-5884C7DE431F}"/>
               </a:ext>
             </a:extLst>
           </p:cNvPr>
@@ -696,7 +696,7 @@
           <p:cNvPr id="6" name="灯片编号占位符 5">
             <a:extLst>
               <a:ext uri="{FF2B5EF4-FFF2-40B4-BE49-F238E27FC236}">
-                <a16:creationId xmlns:a16="http://schemas.microsoft.com/office/drawing/2014/main" id="{0976D5CC-220E-C200-DC60-8636C4B731A3}"/>
+                <a16:creationId xmlns:a16="http://schemas.microsoft.com/office/drawing/2014/main" id="{A6967B46-271D-A731-B559-DF5ACCABE37D}"/>
               </a:ext>
             </a:extLst>
           </p:cNvPr>
@@ -712,7 +712,7 @@
           <a:bodyPr/>
           <a:lstStyle/>
           <a:p>
-            <a:fld id="{13CDE9E2-2A74-448C-A7EB-AF797A0D8A9A}" type="slidenum">
+            <a:fld id="{9F7F8392-1191-4128-B54C-7AE9FF728463}" type="slidenum">
               <a:rPr lang="zh-CN" altLang="en-US" smtClean="0"/>
               <a:t>‹#›</a:t>
             </a:fld>
@@ -723,7 +723,7 @@
     </p:spTree>
     <p:extLst>
       <p:ext uri="{BB962C8B-B14F-4D97-AF65-F5344CB8AC3E}">
-        <p14:creationId xmlns:p14="http://schemas.microsoft.com/office/powerpoint/2010/main" val="2926538690"/>
+        <p14:creationId xmlns:p14="http://schemas.microsoft.com/office/powerpoint/2010/main" val="3895040907"/>
       </p:ext>
     </p:extLst>
   </p:cSld>
@@ -755,7 +755,7 @@
           <p:cNvPr id="2" name="标题 1">
             <a:extLst>
               <a:ext uri="{FF2B5EF4-FFF2-40B4-BE49-F238E27FC236}">
-                <a16:creationId xmlns:a16="http://schemas.microsoft.com/office/drawing/2014/main" id="{2D46AA6B-A063-F388-BA7A-48C2B08DAEEC}"/>
+                <a16:creationId xmlns:a16="http://schemas.microsoft.com/office/drawing/2014/main" id="{33EEFD0F-5CC2-957B-1F89-DF1D49D4140F}"/>
               </a:ext>
             </a:extLst>
           </p:cNvPr>
@@ -783,7 +783,7 @@
           <p:cNvPr id="3" name="内容占位符 2">
             <a:extLst>
               <a:ext uri="{FF2B5EF4-FFF2-40B4-BE49-F238E27FC236}">
-                <a16:creationId xmlns:a16="http://schemas.microsoft.com/office/drawing/2014/main" id="{774CC282-3D72-211F-6CFC-CA23DC20A033}"/>
+                <a16:creationId xmlns:a16="http://schemas.microsoft.com/office/drawing/2014/main" id="{BDE7285A-F82F-978A-5253-05AC771A3E18}"/>
               </a:ext>
             </a:extLst>
           </p:cNvPr>
@@ -840,7 +840,7 @@
           <p:cNvPr id="4" name="日期占位符 3">
             <a:extLst>
               <a:ext uri="{FF2B5EF4-FFF2-40B4-BE49-F238E27FC236}">
-                <a16:creationId xmlns:a16="http://schemas.microsoft.com/office/drawing/2014/main" id="{63020027-D069-092C-CCA7-14F8DA7D024E}"/>
+                <a16:creationId xmlns:a16="http://schemas.microsoft.com/office/drawing/2014/main" id="{924A47DF-A6C1-1CD3-E412-2091E079BB97}"/>
               </a:ext>
             </a:extLst>
           </p:cNvPr>
@@ -856,7 +856,7 @@
           <a:bodyPr/>
           <a:lstStyle/>
           <a:p>
-            <a:fld id="{86C049F9-2341-4B21-8B1F-ADD81EE05F13}" type="datetimeFigureOut">
+            <a:fld id="{A15CC372-E86E-490C-9DFC-183D2B8A25BC}" type="datetimeFigureOut">
               <a:rPr lang="zh-CN" altLang="en-US" smtClean="0"/>
               <a:t>2024/3/10</a:t>
             </a:fld>
@@ -869,7 +869,7 @@
           <p:cNvPr id="5" name="页脚占位符 4">
             <a:extLst>
               <a:ext uri="{FF2B5EF4-FFF2-40B4-BE49-F238E27FC236}">
-                <a16:creationId xmlns:a16="http://schemas.microsoft.com/office/drawing/2014/main" id="{889898BF-F3A3-20A6-563D-98922B88D3E0}"/>
+                <a16:creationId xmlns:a16="http://schemas.microsoft.com/office/drawing/2014/main" id="{218309C8-5632-0D9C-A3E4-E3EE5E47DB7C}"/>
               </a:ext>
             </a:extLst>
           </p:cNvPr>
@@ -894,7 +894,7 @@
           <p:cNvPr id="6" name="灯片编号占位符 5">
             <a:extLst>
               <a:ext uri="{FF2B5EF4-FFF2-40B4-BE49-F238E27FC236}">
-                <a16:creationId xmlns:a16="http://schemas.microsoft.com/office/drawing/2014/main" id="{A9187D48-7412-4E45-8217-D935355416CE}"/>
+                <a16:creationId xmlns:a16="http://schemas.microsoft.com/office/drawing/2014/main" id="{D9D2CA1E-4B4D-1878-0C36-C4DED9089C2F}"/>
               </a:ext>
             </a:extLst>
           </p:cNvPr>
@@ -910,7 +910,7 @@
           <a:bodyPr/>
           <a:lstStyle/>
           <a:p>
-            <a:fld id="{13CDE9E2-2A74-448C-A7EB-AF797A0D8A9A}" type="slidenum">
+            <a:fld id="{9F7F8392-1191-4128-B54C-7AE9FF728463}" type="slidenum">
               <a:rPr lang="zh-CN" altLang="en-US" smtClean="0"/>
               <a:t>‹#›</a:t>
             </a:fld>
@@ -921,7 +921,7 @@
     </p:spTree>
     <p:extLst>
       <p:ext uri="{BB962C8B-B14F-4D97-AF65-F5344CB8AC3E}">
-        <p14:creationId xmlns:p14="http://schemas.microsoft.com/office/powerpoint/2010/main" val="489273105"/>
+        <p14:creationId xmlns:p14="http://schemas.microsoft.com/office/powerpoint/2010/main" val="425673299"/>
       </p:ext>
     </p:extLst>
   </p:cSld>
@@ -953,7 +953,7 @@
           <p:cNvPr id="2" name="标题 1">
             <a:extLst>
               <a:ext uri="{FF2B5EF4-FFF2-40B4-BE49-F238E27FC236}">
-                <a16:creationId xmlns:a16="http://schemas.microsoft.com/office/drawing/2014/main" id="{C4F3F0FC-6C69-93D4-5008-88E20A53293A}"/>
+                <a16:creationId xmlns:a16="http://schemas.microsoft.com/office/drawing/2014/main" id="{A70AB798-7936-E6CC-58C3-69BF64C64709}"/>
               </a:ext>
             </a:extLst>
           </p:cNvPr>
@@ -990,7 +990,7 @@
           <p:cNvPr id="3" name="文本占位符 2">
             <a:extLst>
               <a:ext uri="{FF2B5EF4-FFF2-40B4-BE49-F238E27FC236}">
-                <a16:creationId xmlns:a16="http://schemas.microsoft.com/office/drawing/2014/main" id="{6198D028-C68C-663B-4B45-7B7062E584B1}"/>
+                <a16:creationId xmlns:a16="http://schemas.microsoft.com/office/drawing/2014/main" id="{88363784-91D9-96BE-4C0A-FCA34BD1D971}"/>
               </a:ext>
             </a:extLst>
           </p:cNvPr>
@@ -1115,7 +1115,7 @@
           <p:cNvPr id="4" name="日期占位符 3">
             <a:extLst>
               <a:ext uri="{FF2B5EF4-FFF2-40B4-BE49-F238E27FC236}">
-                <a16:creationId xmlns:a16="http://schemas.microsoft.com/office/drawing/2014/main" id="{503A12D4-6798-9D11-F57A-E31AD5C89C37}"/>
+                <a16:creationId xmlns:a16="http://schemas.microsoft.com/office/drawing/2014/main" id="{616EBC98-D461-228F-7021-59F582EA60FF}"/>
               </a:ext>
             </a:extLst>
           </p:cNvPr>
@@ -1131,7 +1131,7 @@
           <a:bodyPr/>
           <a:lstStyle/>
           <a:p>
-            <a:fld id="{86C049F9-2341-4B21-8B1F-ADD81EE05F13}" type="datetimeFigureOut">
+            <a:fld id="{A15CC372-E86E-490C-9DFC-183D2B8A25BC}" type="datetimeFigureOut">
               <a:rPr lang="zh-CN" altLang="en-US" smtClean="0"/>
               <a:t>2024/3/10</a:t>
             </a:fld>
@@ -1144,7 +1144,7 @@
           <p:cNvPr id="5" name="页脚占位符 4">
             <a:extLst>
               <a:ext uri="{FF2B5EF4-FFF2-40B4-BE49-F238E27FC236}">
-                <a16:creationId xmlns:a16="http://schemas.microsoft.com/office/drawing/2014/main" id="{1171C8AD-0BAA-97A4-501D-4BFD9E5B6168}"/>
+                <a16:creationId xmlns:a16="http://schemas.microsoft.com/office/drawing/2014/main" id="{D05273BA-C613-4568-89F0-4F36F2219309}"/>
               </a:ext>
             </a:extLst>
           </p:cNvPr>
@@ -1169,7 +1169,7 @@
           <p:cNvPr id="6" name="灯片编号占位符 5">
             <a:extLst>
               <a:ext uri="{FF2B5EF4-FFF2-40B4-BE49-F238E27FC236}">
-                <a16:creationId xmlns:a16="http://schemas.microsoft.com/office/drawing/2014/main" id="{AC2B8440-7FAB-643D-683F-7D836A711D36}"/>
+                <a16:creationId xmlns:a16="http://schemas.microsoft.com/office/drawing/2014/main" id="{344BAF36-F523-9FEC-6B92-FBED27E05E55}"/>
               </a:ext>
             </a:extLst>
           </p:cNvPr>
@@ -1185,7 +1185,7 @@
           <a:bodyPr/>
           <a:lstStyle/>
           <a:p>
-            <a:fld id="{13CDE9E2-2A74-448C-A7EB-AF797A0D8A9A}" type="slidenum">
+            <a:fld id="{9F7F8392-1191-4128-B54C-7AE9FF728463}" type="slidenum">
               <a:rPr lang="zh-CN" altLang="en-US" smtClean="0"/>
               <a:t>‹#›</a:t>
             </a:fld>
@@ -1196,7 +1196,7 @@
     </p:spTree>
     <p:extLst>
       <p:ext uri="{BB962C8B-B14F-4D97-AF65-F5344CB8AC3E}">
-        <p14:creationId xmlns:p14="http://schemas.microsoft.com/office/powerpoint/2010/main" val="830976526"/>
+        <p14:creationId xmlns:p14="http://schemas.microsoft.com/office/powerpoint/2010/main" val="3667393154"/>
       </p:ext>
     </p:extLst>
   </p:cSld>
@@ -1228,7 +1228,7 @@
           <p:cNvPr id="2" name="标题 1">
             <a:extLst>
               <a:ext uri="{FF2B5EF4-FFF2-40B4-BE49-F238E27FC236}">
-                <a16:creationId xmlns:a16="http://schemas.microsoft.com/office/drawing/2014/main" id="{614A8281-10A6-DF8C-D009-CC5571382005}"/>
+                <a16:creationId xmlns:a16="http://schemas.microsoft.com/office/drawing/2014/main" id="{0AE4EF7D-E7BB-B32E-3C4C-A754253B5301}"/>
               </a:ext>
             </a:extLst>
           </p:cNvPr>
@@ -1256,7 +1256,7 @@
           <p:cNvPr id="3" name="内容占位符 2">
             <a:extLst>
               <a:ext uri="{FF2B5EF4-FFF2-40B4-BE49-F238E27FC236}">
-                <a16:creationId xmlns:a16="http://schemas.microsoft.com/office/drawing/2014/main" id="{D27252DB-F54F-5763-5144-4F2A1AEFF7C1}"/>
+                <a16:creationId xmlns:a16="http://schemas.microsoft.com/office/drawing/2014/main" id="{8B8F13F1-A09C-6A49-CA99-51411D0B242C}"/>
               </a:ext>
             </a:extLst>
           </p:cNvPr>
@@ -1318,7 +1318,7 @@
           <p:cNvPr id="4" name="内容占位符 3">
             <a:extLst>
               <a:ext uri="{FF2B5EF4-FFF2-40B4-BE49-F238E27FC236}">
-                <a16:creationId xmlns:a16="http://schemas.microsoft.com/office/drawing/2014/main" id="{DAC58C28-E3AB-CB81-31FB-898DEE83E88D}"/>
+                <a16:creationId xmlns:a16="http://schemas.microsoft.com/office/drawing/2014/main" id="{E1964943-F027-A964-81F8-910F90860941}"/>
               </a:ext>
             </a:extLst>
           </p:cNvPr>
@@ -1380,7 +1380,7 @@
           <p:cNvPr id="5" name="日期占位符 4">
             <a:extLst>
               <a:ext uri="{FF2B5EF4-FFF2-40B4-BE49-F238E27FC236}">
-                <a16:creationId xmlns:a16="http://schemas.microsoft.com/office/drawing/2014/main" id="{9F897CDD-E819-33B2-072B-A29BA3979B08}"/>
+                <a16:creationId xmlns:a16="http://schemas.microsoft.com/office/drawing/2014/main" id="{335B4712-BE27-E554-884E-8CF7B92E4D17}"/>
               </a:ext>
             </a:extLst>
           </p:cNvPr>
@@ -1396,7 +1396,7 @@
           <a:bodyPr/>
           <a:lstStyle/>
           <a:p>
-            <a:fld id="{86C049F9-2341-4B21-8B1F-ADD81EE05F13}" type="datetimeFigureOut">
+            <a:fld id="{A15CC372-E86E-490C-9DFC-183D2B8A25BC}" type="datetimeFigureOut">
               <a:rPr lang="zh-CN" altLang="en-US" smtClean="0"/>
               <a:t>2024/3/10</a:t>
             </a:fld>
@@ -1409,7 +1409,7 @@
           <p:cNvPr id="6" name="页脚占位符 5">
             <a:extLst>
               <a:ext uri="{FF2B5EF4-FFF2-40B4-BE49-F238E27FC236}">
-                <a16:creationId xmlns:a16="http://schemas.microsoft.com/office/drawing/2014/main" id="{3D2BEFD0-129A-1ADD-880F-F504FEAD6C2B}"/>
+                <a16:creationId xmlns:a16="http://schemas.microsoft.com/office/drawing/2014/main" id="{D4B72748-CFE5-73F0-7E46-63FD7342EB05}"/>
               </a:ext>
             </a:extLst>
           </p:cNvPr>
@@ -1434,7 +1434,7 @@
           <p:cNvPr id="7" name="灯片编号占位符 6">
             <a:extLst>
               <a:ext uri="{FF2B5EF4-FFF2-40B4-BE49-F238E27FC236}">
-                <a16:creationId xmlns:a16="http://schemas.microsoft.com/office/drawing/2014/main" id="{3889FD1F-C20D-1117-903B-68CE1908139F}"/>
+                <a16:creationId xmlns:a16="http://schemas.microsoft.com/office/drawing/2014/main" id="{00FC1954-39AD-EB3F-D233-6B5FC0404EEC}"/>
               </a:ext>
             </a:extLst>
           </p:cNvPr>
@@ -1450,7 +1450,7 @@
           <a:bodyPr/>
           <a:lstStyle/>
           <a:p>
-            <a:fld id="{13CDE9E2-2A74-448C-A7EB-AF797A0D8A9A}" type="slidenum">
+            <a:fld id="{9F7F8392-1191-4128-B54C-7AE9FF728463}" type="slidenum">
               <a:rPr lang="zh-CN" altLang="en-US" smtClean="0"/>
               <a:t>‹#›</a:t>
             </a:fld>
@@ -1461,7 +1461,7 @@
     </p:spTree>
     <p:extLst>
       <p:ext uri="{BB962C8B-B14F-4D97-AF65-F5344CB8AC3E}">
-        <p14:creationId xmlns:p14="http://schemas.microsoft.com/office/powerpoint/2010/main" val="4037811946"/>
+        <p14:creationId xmlns:p14="http://schemas.microsoft.com/office/powerpoint/2010/main" val="2017044678"/>
       </p:ext>
     </p:extLst>
   </p:cSld>
@@ -1493,7 +1493,7 @@
           <p:cNvPr id="2" name="标题 1">
             <a:extLst>
               <a:ext uri="{FF2B5EF4-FFF2-40B4-BE49-F238E27FC236}">
-                <a16:creationId xmlns:a16="http://schemas.microsoft.com/office/drawing/2014/main" id="{565862F6-CEA5-68A8-7B00-52C1410F5DC6}"/>
+                <a16:creationId xmlns:a16="http://schemas.microsoft.com/office/drawing/2014/main" id="{D5730FE2-F907-BFFE-E571-786F7A106F17}"/>
               </a:ext>
             </a:extLst>
           </p:cNvPr>
@@ -1526,7 +1526,7 @@
           <p:cNvPr id="3" name="文本占位符 2">
             <a:extLst>
               <a:ext uri="{FF2B5EF4-FFF2-40B4-BE49-F238E27FC236}">
-                <a16:creationId xmlns:a16="http://schemas.microsoft.com/office/drawing/2014/main" id="{40E95AEE-72FB-351D-742B-44472C94F90B}"/>
+                <a16:creationId xmlns:a16="http://schemas.microsoft.com/office/drawing/2014/main" id="{A91E8432-2BCA-E945-C344-D2C6F389A069}"/>
               </a:ext>
             </a:extLst>
           </p:cNvPr>
@@ -1597,7 +1597,7 @@
           <p:cNvPr id="4" name="内容占位符 3">
             <a:extLst>
               <a:ext uri="{FF2B5EF4-FFF2-40B4-BE49-F238E27FC236}">
-                <a16:creationId xmlns:a16="http://schemas.microsoft.com/office/drawing/2014/main" id="{33C39EFF-557D-6BC6-B6BF-0C34EBF9D4B6}"/>
+                <a16:creationId xmlns:a16="http://schemas.microsoft.com/office/drawing/2014/main" id="{7FFD41F0-EBF3-608D-BC53-6349E5EAF195}"/>
               </a:ext>
             </a:extLst>
           </p:cNvPr>
@@ -1659,7 +1659,7 @@
           <p:cNvPr id="5" name="文本占位符 4">
             <a:extLst>
               <a:ext uri="{FF2B5EF4-FFF2-40B4-BE49-F238E27FC236}">
-                <a16:creationId xmlns:a16="http://schemas.microsoft.com/office/drawing/2014/main" id="{E0776C55-FEED-6B11-F154-2FEB0B603592}"/>
+                <a16:creationId xmlns:a16="http://schemas.microsoft.com/office/drawing/2014/main" id="{7F1A7D48-BCE4-B30D-AF55-31B9580D95CD}"/>
               </a:ext>
             </a:extLst>
           </p:cNvPr>
@@ -1730,7 +1730,7 @@
           <p:cNvPr id="6" name="内容占位符 5">
             <a:extLst>
               <a:ext uri="{FF2B5EF4-FFF2-40B4-BE49-F238E27FC236}">
-                <a16:creationId xmlns:a16="http://schemas.microsoft.com/office/drawing/2014/main" id="{2A0E8BF8-D50F-24E4-7B9A-6CFA9DA0B3A2}"/>
+                <a16:creationId xmlns:a16="http://schemas.microsoft.com/office/drawing/2014/main" id="{C6D5753B-E208-B558-ED64-2FC0E1109623}"/>
               </a:ext>
             </a:extLst>
           </p:cNvPr>
@@ -1792,7 +1792,7 @@
           <p:cNvPr id="7" name="日期占位符 6">
             <a:extLst>
               <a:ext uri="{FF2B5EF4-FFF2-40B4-BE49-F238E27FC236}">
-                <a16:creationId xmlns:a16="http://schemas.microsoft.com/office/drawing/2014/main" id="{52ECCAC5-F339-28B1-4E4B-BD43FB1EC1AB}"/>
+                <a16:creationId xmlns:a16="http://schemas.microsoft.com/office/drawing/2014/main" id="{265F08AD-D144-EB69-6999-762E568AEEC2}"/>
               </a:ext>
             </a:extLst>
           </p:cNvPr>
@@ -1808,7 +1808,7 @@
           <a:bodyPr/>
           <a:lstStyle/>
           <a:p>
-            <a:fld id="{86C049F9-2341-4B21-8B1F-ADD81EE05F13}" type="datetimeFigureOut">
+            <a:fld id="{A15CC372-E86E-490C-9DFC-183D2B8A25BC}" type="datetimeFigureOut">
               <a:rPr lang="zh-CN" altLang="en-US" smtClean="0"/>
               <a:t>2024/3/10</a:t>
             </a:fld>
@@ -1821,7 +1821,7 @@
           <p:cNvPr id="8" name="页脚占位符 7">
             <a:extLst>
               <a:ext uri="{FF2B5EF4-FFF2-40B4-BE49-F238E27FC236}">
-                <a16:creationId xmlns:a16="http://schemas.microsoft.com/office/drawing/2014/main" id="{C73B3389-E50A-DE6D-C21A-9B3D46B4B7F1}"/>
+                <a16:creationId xmlns:a16="http://schemas.microsoft.com/office/drawing/2014/main" id="{2DFDA00B-6802-0807-AE84-F7ADEE71461B}"/>
               </a:ext>
             </a:extLst>
           </p:cNvPr>
@@ -1846,7 +1846,7 @@
           <p:cNvPr id="9" name="灯片编号占位符 8">
             <a:extLst>
               <a:ext uri="{FF2B5EF4-FFF2-40B4-BE49-F238E27FC236}">
-                <a16:creationId xmlns:a16="http://schemas.microsoft.com/office/drawing/2014/main" id="{74F9EF1E-DECE-2406-BECB-78FECF2DB9C5}"/>
+                <a16:creationId xmlns:a16="http://schemas.microsoft.com/office/drawing/2014/main" id="{3A9B64BE-D523-D0F8-7ABE-A679A8044639}"/>
               </a:ext>
             </a:extLst>
           </p:cNvPr>
@@ -1862,7 +1862,7 @@
           <a:bodyPr/>
           <a:lstStyle/>
           <a:p>
-            <a:fld id="{13CDE9E2-2A74-448C-A7EB-AF797A0D8A9A}" type="slidenum">
+            <a:fld id="{9F7F8392-1191-4128-B54C-7AE9FF728463}" type="slidenum">
               <a:rPr lang="zh-CN" altLang="en-US" smtClean="0"/>
               <a:t>‹#›</a:t>
             </a:fld>
@@ -1873,7 +1873,7 @@
     </p:spTree>
     <p:extLst>
       <p:ext uri="{BB962C8B-B14F-4D97-AF65-F5344CB8AC3E}">
-        <p14:creationId xmlns:p14="http://schemas.microsoft.com/office/powerpoint/2010/main" val="2685820989"/>
+        <p14:creationId xmlns:p14="http://schemas.microsoft.com/office/powerpoint/2010/main" val="481978879"/>
       </p:ext>
     </p:extLst>
   </p:cSld>
@@ -1905,7 +1905,7 @@
           <p:cNvPr id="2" name="标题 1">
             <a:extLst>
               <a:ext uri="{FF2B5EF4-FFF2-40B4-BE49-F238E27FC236}">
-                <a16:creationId xmlns:a16="http://schemas.microsoft.com/office/drawing/2014/main" id="{68AFD757-6468-14F8-28D5-CDB2705A6EE3}"/>
+                <a16:creationId xmlns:a16="http://schemas.microsoft.com/office/drawing/2014/main" id="{AB2C1D7B-2B2B-77F7-ABF6-934E65293DC2}"/>
               </a:ext>
             </a:extLst>
           </p:cNvPr>
@@ -1933,7 +1933,7 @@
           <p:cNvPr id="3" name="日期占位符 2">
             <a:extLst>
               <a:ext uri="{FF2B5EF4-FFF2-40B4-BE49-F238E27FC236}">
-                <a16:creationId xmlns:a16="http://schemas.microsoft.com/office/drawing/2014/main" id="{96B7D975-8957-453E-D433-F6210B2BFD56}"/>
+                <a16:creationId xmlns:a16="http://schemas.microsoft.com/office/drawing/2014/main" id="{17991E1B-B58D-65DB-DCE2-CB95B4D78324}"/>
               </a:ext>
             </a:extLst>
           </p:cNvPr>
@@ -1949,7 +1949,7 @@
           <a:bodyPr/>
           <a:lstStyle/>
           <a:p>
-            <a:fld id="{86C049F9-2341-4B21-8B1F-ADD81EE05F13}" type="datetimeFigureOut">
+            <a:fld id="{A15CC372-E86E-490C-9DFC-183D2B8A25BC}" type="datetimeFigureOut">
               <a:rPr lang="zh-CN" altLang="en-US" smtClean="0"/>
               <a:t>2024/3/10</a:t>
             </a:fld>
@@ -1962,7 +1962,7 @@
           <p:cNvPr id="4" name="页脚占位符 3">
             <a:extLst>
               <a:ext uri="{FF2B5EF4-FFF2-40B4-BE49-F238E27FC236}">
-                <a16:creationId xmlns:a16="http://schemas.microsoft.com/office/drawing/2014/main" id="{F23739C8-AAE3-7383-8137-366B97000A69}"/>
+                <a16:creationId xmlns:a16="http://schemas.microsoft.com/office/drawing/2014/main" id="{536DDABA-2A7B-DB77-D1A6-6A9BEED90A40}"/>
               </a:ext>
             </a:extLst>
           </p:cNvPr>
@@ -1987,7 +1987,7 @@
           <p:cNvPr id="5" name="灯片编号占位符 4">
             <a:extLst>
               <a:ext uri="{FF2B5EF4-FFF2-40B4-BE49-F238E27FC236}">
-                <a16:creationId xmlns:a16="http://schemas.microsoft.com/office/drawing/2014/main" id="{3642B7A9-2828-3706-4326-4F3351C5761B}"/>
+                <a16:creationId xmlns:a16="http://schemas.microsoft.com/office/drawing/2014/main" id="{687F006B-54C8-DF90-CEE9-FA9DA21F7558}"/>
               </a:ext>
             </a:extLst>
           </p:cNvPr>
@@ -2003,7 +2003,7 @@
           <a:bodyPr/>
           <a:lstStyle/>
           <a:p>
-            <a:fld id="{13CDE9E2-2A74-448C-A7EB-AF797A0D8A9A}" type="slidenum">
+            <a:fld id="{9F7F8392-1191-4128-B54C-7AE9FF728463}" type="slidenum">
               <a:rPr lang="zh-CN" altLang="en-US" smtClean="0"/>
               <a:t>‹#›</a:t>
             </a:fld>
@@ -2014,7 +2014,7 @@
     </p:spTree>
     <p:extLst>
       <p:ext uri="{BB962C8B-B14F-4D97-AF65-F5344CB8AC3E}">
-        <p14:creationId xmlns:p14="http://schemas.microsoft.com/office/powerpoint/2010/main" val="4185427168"/>
+        <p14:creationId xmlns:p14="http://schemas.microsoft.com/office/powerpoint/2010/main" val="4093783612"/>
       </p:ext>
     </p:extLst>
   </p:cSld>
@@ -2046,7 +2046,7 @@
           <p:cNvPr id="2" name="日期占位符 1">
             <a:extLst>
               <a:ext uri="{FF2B5EF4-FFF2-40B4-BE49-F238E27FC236}">
-                <a16:creationId xmlns:a16="http://schemas.microsoft.com/office/drawing/2014/main" id="{C95035C2-5C5E-A5A2-E6E0-0B720008E496}"/>
+                <a16:creationId xmlns:a16="http://schemas.microsoft.com/office/drawing/2014/main" id="{FFF73A7C-A31F-D1B7-C5A1-25D763B9C619}"/>
               </a:ext>
             </a:extLst>
           </p:cNvPr>
@@ -2062,7 +2062,7 @@
           <a:bodyPr/>
           <a:lstStyle/>
           <a:p>
-            <a:fld id="{86C049F9-2341-4B21-8B1F-ADD81EE05F13}" type="datetimeFigureOut">
+            <a:fld id="{A15CC372-E86E-490C-9DFC-183D2B8A25BC}" type="datetimeFigureOut">
               <a:rPr lang="zh-CN" altLang="en-US" smtClean="0"/>
               <a:t>2024/3/10</a:t>
             </a:fld>
@@ -2075,7 +2075,7 @@
           <p:cNvPr id="3" name="页脚占位符 2">
             <a:extLst>
               <a:ext uri="{FF2B5EF4-FFF2-40B4-BE49-F238E27FC236}">
-                <a16:creationId xmlns:a16="http://schemas.microsoft.com/office/drawing/2014/main" id="{6AB8B3A3-FCB1-1BF1-F816-E58DB917FA0F}"/>
+                <a16:creationId xmlns:a16="http://schemas.microsoft.com/office/drawing/2014/main" id="{A83BB5A7-9879-4542-F499-C22F9B4DB1A0}"/>
               </a:ext>
             </a:extLst>
           </p:cNvPr>
@@ -2100,7 +2100,7 @@
           <p:cNvPr id="4" name="灯片编号占位符 3">
             <a:extLst>
               <a:ext uri="{FF2B5EF4-FFF2-40B4-BE49-F238E27FC236}">
-                <a16:creationId xmlns:a16="http://schemas.microsoft.com/office/drawing/2014/main" id="{F9EDDB3C-F8E3-9E20-84E6-C7F073CBCAC5}"/>
+                <a16:creationId xmlns:a16="http://schemas.microsoft.com/office/drawing/2014/main" id="{79C45858-8E8D-38DD-B682-7376BD1831E8}"/>
               </a:ext>
             </a:extLst>
           </p:cNvPr>
@@ -2116,7 +2116,7 @@
           <a:bodyPr/>
           <a:lstStyle/>
           <a:p>
-            <a:fld id="{13CDE9E2-2A74-448C-A7EB-AF797A0D8A9A}" type="slidenum">
+            <a:fld id="{9F7F8392-1191-4128-B54C-7AE9FF728463}" type="slidenum">
               <a:rPr lang="zh-CN" altLang="en-US" smtClean="0"/>
               <a:t>‹#›</a:t>
             </a:fld>
@@ -2127,7 +2127,7 @@
     </p:spTree>
     <p:extLst>
       <p:ext uri="{BB962C8B-B14F-4D97-AF65-F5344CB8AC3E}">
-        <p14:creationId xmlns:p14="http://schemas.microsoft.com/office/powerpoint/2010/main" val="2375206578"/>
+        <p14:creationId xmlns:p14="http://schemas.microsoft.com/office/powerpoint/2010/main" val="3721747852"/>
       </p:ext>
     </p:extLst>
   </p:cSld>
@@ -2159,7 +2159,7 @@
           <p:cNvPr id="2" name="标题 1">
             <a:extLst>
               <a:ext uri="{FF2B5EF4-FFF2-40B4-BE49-F238E27FC236}">
-                <a16:creationId xmlns:a16="http://schemas.microsoft.com/office/drawing/2014/main" id="{0ECF3922-4F34-B63F-A2EB-9FEC755990AA}"/>
+                <a16:creationId xmlns:a16="http://schemas.microsoft.com/office/drawing/2014/main" id="{975DB8D9-47ED-B06F-FF43-02C9F5864D6A}"/>
               </a:ext>
             </a:extLst>
           </p:cNvPr>
@@ -2196,7 +2196,7 @@
           <p:cNvPr id="3" name="内容占位符 2">
             <a:extLst>
               <a:ext uri="{FF2B5EF4-FFF2-40B4-BE49-F238E27FC236}">
-                <a16:creationId xmlns:a16="http://schemas.microsoft.com/office/drawing/2014/main" id="{5E15DF22-AFB1-1264-60BD-B39956D33173}"/>
+                <a16:creationId xmlns:a16="http://schemas.microsoft.com/office/drawing/2014/main" id="{E009AD36-2C38-3A4F-4335-6907FFAEADAC}"/>
               </a:ext>
             </a:extLst>
           </p:cNvPr>
@@ -2286,7 +2286,7 @@
           <p:cNvPr id="4" name="文本占位符 3">
             <a:extLst>
               <a:ext uri="{FF2B5EF4-FFF2-40B4-BE49-F238E27FC236}">
-                <a16:creationId xmlns:a16="http://schemas.microsoft.com/office/drawing/2014/main" id="{443F965A-CC45-80D2-F3BC-1F3CB89C2A38}"/>
+                <a16:creationId xmlns:a16="http://schemas.microsoft.com/office/drawing/2014/main" id="{DE42D866-922F-59D0-E75F-50BD1284B938}"/>
               </a:ext>
             </a:extLst>
           </p:cNvPr>
@@ -2357,7 +2357,7 @@
           <p:cNvPr id="5" name="日期占位符 4">
             <a:extLst>
               <a:ext uri="{FF2B5EF4-FFF2-40B4-BE49-F238E27FC236}">
-                <a16:creationId xmlns:a16="http://schemas.microsoft.com/office/drawing/2014/main" id="{D0BAE42C-58F0-788D-E2BF-D6FDB6B505B1}"/>
+                <a16:creationId xmlns:a16="http://schemas.microsoft.com/office/drawing/2014/main" id="{D00999E5-8076-AC63-1211-6328BB3B2202}"/>
               </a:ext>
             </a:extLst>
           </p:cNvPr>
@@ -2373,7 +2373,7 @@
           <a:bodyPr/>
           <a:lstStyle/>
           <a:p>
-            <a:fld id="{86C049F9-2341-4B21-8B1F-ADD81EE05F13}" type="datetimeFigureOut">
+            <a:fld id="{A15CC372-E86E-490C-9DFC-183D2B8A25BC}" type="datetimeFigureOut">
               <a:rPr lang="zh-CN" altLang="en-US" smtClean="0"/>
               <a:t>2024/3/10</a:t>
             </a:fld>
@@ -2386,7 +2386,7 @@
           <p:cNvPr id="6" name="页脚占位符 5">
             <a:extLst>
               <a:ext uri="{FF2B5EF4-FFF2-40B4-BE49-F238E27FC236}">
-                <a16:creationId xmlns:a16="http://schemas.microsoft.com/office/drawing/2014/main" id="{DF5256F6-97EB-BCE8-DB05-B5453A3F9AE6}"/>
+                <a16:creationId xmlns:a16="http://schemas.microsoft.com/office/drawing/2014/main" id="{142C0098-E2C8-0248-A109-3F3A2479517A}"/>
               </a:ext>
             </a:extLst>
           </p:cNvPr>
@@ -2411,7 +2411,7 @@
           <p:cNvPr id="7" name="灯片编号占位符 6">
             <a:extLst>
               <a:ext uri="{FF2B5EF4-FFF2-40B4-BE49-F238E27FC236}">
-                <a16:creationId xmlns:a16="http://schemas.microsoft.com/office/drawing/2014/main" id="{300BA76D-75F0-08B8-DC2F-E7132490D4FD}"/>
+                <a16:creationId xmlns:a16="http://schemas.microsoft.com/office/drawing/2014/main" id="{AD08FEC5-BBC9-0646-CCDE-ABC70A9EB89F}"/>
               </a:ext>
             </a:extLst>
           </p:cNvPr>
@@ -2427,7 +2427,7 @@
           <a:bodyPr/>
           <a:lstStyle/>
           <a:p>
-            <a:fld id="{13CDE9E2-2A74-448C-A7EB-AF797A0D8A9A}" type="slidenum">
+            <a:fld id="{9F7F8392-1191-4128-B54C-7AE9FF728463}" type="slidenum">
               <a:rPr lang="zh-CN" altLang="en-US" smtClean="0"/>
               <a:t>‹#›</a:t>
             </a:fld>
@@ -2438,7 +2438,7 @@
     </p:spTree>
     <p:extLst>
       <p:ext uri="{BB962C8B-B14F-4D97-AF65-F5344CB8AC3E}">
-        <p14:creationId xmlns:p14="http://schemas.microsoft.com/office/powerpoint/2010/main" val="454565099"/>
+        <p14:creationId xmlns:p14="http://schemas.microsoft.com/office/powerpoint/2010/main" val="799712482"/>
       </p:ext>
     </p:extLst>
   </p:cSld>
@@ -2470,7 +2470,7 @@
           <p:cNvPr id="2" name="标题 1">
             <a:extLst>
               <a:ext uri="{FF2B5EF4-FFF2-40B4-BE49-F238E27FC236}">
-                <a16:creationId xmlns:a16="http://schemas.microsoft.com/office/drawing/2014/main" id="{0FFF7767-7D8F-9827-27C3-032582352ACD}"/>
+                <a16:creationId xmlns:a16="http://schemas.microsoft.com/office/drawing/2014/main" id="{D5D9BC6B-0C59-7C9C-CC49-09B6CAD5D758}"/>
               </a:ext>
             </a:extLst>
           </p:cNvPr>
@@ -2507,7 +2507,7 @@
           <p:cNvPr id="3" name="图片占位符 2">
             <a:extLst>
               <a:ext uri="{FF2B5EF4-FFF2-40B4-BE49-F238E27FC236}">
-                <a16:creationId xmlns:a16="http://schemas.microsoft.com/office/drawing/2014/main" id="{E8D2861A-34B7-2344-EB1D-96AF6F16077F}"/>
+                <a16:creationId xmlns:a16="http://schemas.microsoft.com/office/drawing/2014/main" id="{5E901AEF-01E9-BDA6-CF1A-45C0EDA05AFB}"/>
               </a:ext>
             </a:extLst>
           </p:cNvPr>
@@ -2574,7 +2574,7 @@
           <p:cNvPr id="4" name="文本占位符 3">
             <a:extLst>
               <a:ext uri="{FF2B5EF4-FFF2-40B4-BE49-F238E27FC236}">
-                <a16:creationId xmlns:a16="http://schemas.microsoft.com/office/drawing/2014/main" id="{7CE73876-07F7-B570-EF1B-094A62E7799A}"/>
+                <a16:creationId xmlns:a16="http://schemas.microsoft.com/office/drawing/2014/main" id="{A729B55D-3AD8-7A89-0EEB-DB92FFF9C3D2}"/>
               </a:ext>
             </a:extLst>
           </p:cNvPr>
@@ -2645,7 +2645,7 @@
           <p:cNvPr id="5" name="日期占位符 4">
             <a:extLst>
               <a:ext uri="{FF2B5EF4-FFF2-40B4-BE49-F238E27FC236}">
-                <a16:creationId xmlns:a16="http://schemas.microsoft.com/office/drawing/2014/main" id="{BF232124-74F7-31F8-59EB-AC42585F08C1}"/>
+                <a16:creationId xmlns:a16="http://schemas.microsoft.com/office/drawing/2014/main" id="{96ED2874-52DE-999B-14C1-69C6CAB2A096}"/>
               </a:ext>
             </a:extLst>
           </p:cNvPr>
@@ -2661,7 +2661,7 @@
           <a:bodyPr/>
           <a:lstStyle/>
           <a:p>
-            <a:fld id="{86C049F9-2341-4B21-8B1F-ADD81EE05F13}" type="datetimeFigureOut">
+            <a:fld id="{A15CC372-E86E-490C-9DFC-183D2B8A25BC}" type="datetimeFigureOut">
               <a:rPr lang="zh-CN" altLang="en-US" smtClean="0"/>
               <a:t>2024/3/10</a:t>
             </a:fld>
@@ -2674,7 +2674,7 @@
           <p:cNvPr id="6" name="页脚占位符 5">
             <a:extLst>
               <a:ext uri="{FF2B5EF4-FFF2-40B4-BE49-F238E27FC236}">
-                <a16:creationId xmlns:a16="http://schemas.microsoft.com/office/drawing/2014/main" id="{0605B35D-A2B8-9731-18BD-2082676ED278}"/>
+                <a16:creationId xmlns:a16="http://schemas.microsoft.com/office/drawing/2014/main" id="{270AA5CD-956D-C7AB-80CB-742B8FDA9913}"/>
               </a:ext>
             </a:extLst>
           </p:cNvPr>
@@ -2699,7 +2699,7 @@
           <p:cNvPr id="7" name="灯片编号占位符 6">
             <a:extLst>
               <a:ext uri="{FF2B5EF4-FFF2-40B4-BE49-F238E27FC236}">
-                <a16:creationId xmlns:a16="http://schemas.microsoft.com/office/drawing/2014/main" id="{C60C17EC-8559-BD36-ECB6-C20971AD6E07}"/>
+                <a16:creationId xmlns:a16="http://schemas.microsoft.com/office/drawing/2014/main" id="{E64C501C-3810-0509-2F44-754B23DCF2A8}"/>
               </a:ext>
             </a:extLst>
           </p:cNvPr>
@@ -2715,7 +2715,7 @@
           <a:bodyPr/>
           <a:lstStyle/>
           <a:p>
-            <a:fld id="{13CDE9E2-2A74-448C-A7EB-AF797A0D8A9A}" type="slidenum">
+            <a:fld id="{9F7F8392-1191-4128-B54C-7AE9FF728463}" type="slidenum">
               <a:rPr lang="zh-CN" altLang="en-US" smtClean="0"/>
               <a:t>‹#›</a:t>
             </a:fld>
@@ -2726,7 +2726,7 @@
     </p:spTree>
     <p:extLst>
       <p:ext uri="{BB962C8B-B14F-4D97-AF65-F5344CB8AC3E}">
-        <p14:creationId xmlns:p14="http://schemas.microsoft.com/office/powerpoint/2010/main" val="3949239068"/>
+        <p14:creationId xmlns:p14="http://schemas.microsoft.com/office/powerpoint/2010/main" val="232074736"/>
       </p:ext>
     </p:extLst>
   </p:cSld>
@@ -2763,7 +2763,7 @@
           <p:cNvPr id="2" name="标题占位符 1">
             <a:extLst>
               <a:ext uri="{FF2B5EF4-FFF2-40B4-BE49-F238E27FC236}">
-                <a16:creationId xmlns:a16="http://schemas.microsoft.com/office/drawing/2014/main" id="{97064857-FAFA-9855-2C28-5ACF54F77F62}"/>
+                <a16:creationId xmlns:a16="http://schemas.microsoft.com/office/drawing/2014/main" id="{94F2E45B-F49B-3F70-13CF-B3FE3774E2EA}"/>
               </a:ext>
             </a:extLst>
           </p:cNvPr>
@@ -2801,7 +2801,7 @@
           <p:cNvPr id="3" name="文本占位符 2">
             <a:extLst>
               <a:ext uri="{FF2B5EF4-FFF2-40B4-BE49-F238E27FC236}">
-                <a16:creationId xmlns:a16="http://schemas.microsoft.com/office/drawing/2014/main" id="{921B9F0C-C347-09B8-9643-9A3289BBB3E9}"/>
+                <a16:creationId xmlns:a16="http://schemas.microsoft.com/office/drawing/2014/main" id="{C8003C32-3520-28BF-B67F-70EED934D787}"/>
               </a:ext>
             </a:extLst>
           </p:cNvPr>
@@ -2868,7 +2868,7 @@
           <p:cNvPr id="4" name="日期占位符 3">
             <a:extLst>
               <a:ext uri="{FF2B5EF4-FFF2-40B4-BE49-F238E27FC236}">
-                <a16:creationId xmlns:a16="http://schemas.microsoft.com/office/drawing/2014/main" id="{673E1A55-1A7C-441E-2CC1-A5CFE52B859D}"/>
+                <a16:creationId xmlns:a16="http://schemas.microsoft.com/office/drawing/2014/main" id="{391D35C4-0979-F802-C8C3-4BF5FC623CFB}"/>
               </a:ext>
             </a:extLst>
           </p:cNvPr>
@@ -2902,7 +2902,7 @@
             </a:lvl1pPr>
           </a:lstStyle>
           <a:p>
-            <a:fld id="{86C049F9-2341-4B21-8B1F-ADD81EE05F13}" type="datetimeFigureOut">
+            <a:fld id="{A15CC372-E86E-490C-9DFC-183D2B8A25BC}" type="datetimeFigureOut">
               <a:rPr lang="zh-CN" altLang="en-US" smtClean="0"/>
               <a:t>2024/3/10</a:t>
             </a:fld>
@@ -2915,7 +2915,7 @@
           <p:cNvPr id="5" name="页脚占位符 4">
             <a:extLst>
               <a:ext uri="{FF2B5EF4-FFF2-40B4-BE49-F238E27FC236}">
-                <a16:creationId xmlns:a16="http://schemas.microsoft.com/office/drawing/2014/main" id="{F989E007-772C-D385-160D-353CCB95723B}"/>
+                <a16:creationId xmlns:a16="http://schemas.microsoft.com/office/drawing/2014/main" id="{9DFEB4D9-D18F-F98D-0E07-B7DE1435DF57}"/>
               </a:ext>
             </a:extLst>
           </p:cNvPr>
@@ -2958,7 +2958,7 @@
           <p:cNvPr id="6" name="灯片编号占位符 5">
             <a:extLst>
               <a:ext uri="{FF2B5EF4-FFF2-40B4-BE49-F238E27FC236}">
-                <a16:creationId xmlns:a16="http://schemas.microsoft.com/office/drawing/2014/main" id="{7DF182E3-1DE7-4F18-BA5B-B6CBB88C67C2}"/>
+                <a16:creationId xmlns:a16="http://schemas.microsoft.com/office/drawing/2014/main" id="{D5146EB8-B402-BA49-3100-83DE0F725144}"/>
               </a:ext>
             </a:extLst>
           </p:cNvPr>
@@ -2992,7 +2992,7 @@
             </a:lvl1pPr>
           </a:lstStyle>
           <a:p>
-            <a:fld id="{13CDE9E2-2A74-448C-A7EB-AF797A0D8A9A}" type="slidenum">
+            <a:fld id="{9F7F8392-1191-4128-B54C-7AE9FF728463}" type="slidenum">
               <a:rPr lang="zh-CN" altLang="en-US" smtClean="0"/>
               <a:t>‹#›</a:t>
             </a:fld>
@@ -3003,7 +3003,7 @@
     </p:spTree>
     <p:extLst>
       <p:ext uri="{BB962C8B-B14F-4D97-AF65-F5344CB8AC3E}">
-        <p14:creationId xmlns:p14="http://schemas.microsoft.com/office/powerpoint/2010/main" val="458502273"/>
+        <p14:creationId xmlns:p14="http://schemas.microsoft.com/office/powerpoint/2010/main" val="3810163877"/>
       </p:ext>
     </p:extLst>
   </p:cSld>
